--- a/BigO_Notation_Presentation.pptx
+++ b/BigO_Notation_Presentation.pptx
@@ -7,6 +7,7 @@
   <p:sldIdLst>
     <p:sldId id="256" r:id="rId2"/>
     <p:sldId id="257" r:id="rId3"/>
+    <p:sldId id="258" r:id="rId4"/>
   </p:sldIdLst>
   <p:sldSz cx="12192000" cy="6858000"/>
   <p:notesSz cx="6858000" cy="9144000"/>
@@ -260,7 +261,7 @@
           <a:p>
             <a:fld id="{D2BF3858-8A1F-468D-BEBC-216B2EC1642C}" type="datetimeFigureOut">
               <a:rPr lang="en-US" smtClean="0"/>
-              <a:t>2/2/2022</a:t>
+              <a:t>2/3/2022</a:t>
             </a:fld>
             <a:endParaRPr lang="en-US"/>
           </a:p>
@@ -458,7 +459,7 @@
           <a:p>
             <a:fld id="{D2BF3858-8A1F-468D-BEBC-216B2EC1642C}" type="datetimeFigureOut">
               <a:rPr lang="en-US" smtClean="0"/>
-              <a:t>2/2/2022</a:t>
+              <a:t>2/3/2022</a:t>
             </a:fld>
             <a:endParaRPr lang="en-US"/>
           </a:p>
@@ -666,7 +667,7 @@
           <a:p>
             <a:fld id="{D2BF3858-8A1F-468D-BEBC-216B2EC1642C}" type="datetimeFigureOut">
               <a:rPr lang="en-US" smtClean="0"/>
-              <a:t>2/2/2022</a:t>
+              <a:t>2/3/2022</a:t>
             </a:fld>
             <a:endParaRPr lang="en-US"/>
           </a:p>
@@ -864,7 +865,7 @@
           <a:p>
             <a:fld id="{D2BF3858-8A1F-468D-BEBC-216B2EC1642C}" type="datetimeFigureOut">
               <a:rPr lang="en-US" smtClean="0"/>
-              <a:t>2/2/2022</a:t>
+              <a:t>2/3/2022</a:t>
             </a:fld>
             <a:endParaRPr lang="en-US"/>
           </a:p>
@@ -1139,7 +1140,7 @@
           <a:p>
             <a:fld id="{D2BF3858-8A1F-468D-BEBC-216B2EC1642C}" type="datetimeFigureOut">
               <a:rPr lang="en-US" smtClean="0"/>
-              <a:t>2/2/2022</a:t>
+              <a:t>2/3/2022</a:t>
             </a:fld>
             <a:endParaRPr lang="en-US"/>
           </a:p>
@@ -1404,7 +1405,7 @@
           <a:p>
             <a:fld id="{D2BF3858-8A1F-468D-BEBC-216B2EC1642C}" type="datetimeFigureOut">
               <a:rPr lang="en-US" smtClean="0"/>
-              <a:t>2/2/2022</a:t>
+              <a:t>2/3/2022</a:t>
             </a:fld>
             <a:endParaRPr lang="en-US"/>
           </a:p>
@@ -1816,7 +1817,7 @@
           <a:p>
             <a:fld id="{D2BF3858-8A1F-468D-BEBC-216B2EC1642C}" type="datetimeFigureOut">
               <a:rPr lang="en-US" smtClean="0"/>
-              <a:t>2/2/2022</a:t>
+              <a:t>2/3/2022</a:t>
             </a:fld>
             <a:endParaRPr lang="en-US"/>
           </a:p>
@@ -1957,7 +1958,7 @@
           <a:p>
             <a:fld id="{D2BF3858-8A1F-468D-BEBC-216B2EC1642C}" type="datetimeFigureOut">
               <a:rPr lang="en-US" smtClean="0"/>
-              <a:t>2/2/2022</a:t>
+              <a:t>2/3/2022</a:t>
             </a:fld>
             <a:endParaRPr lang="en-US"/>
           </a:p>
@@ -2070,7 +2071,7 @@
           <a:p>
             <a:fld id="{D2BF3858-8A1F-468D-BEBC-216B2EC1642C}" type="datetimeFigureOut">
               <a:rPr lang="en-US" smtClean="0"/>
-              <a:t>2/2/2022</a:t>
+              <a:t>2/3/2022</a:t>
             </a:fld>
             <a:endParaRPr lang="en-US"/>
           </a:p>
@@ -2381,7 +2382,7 @@
           <a:p>
             <a:fld id="{D2BF3858-8A1F-468D-BEBC-216B2EC1642C}" type="datetimeFigureOut">
               <a:rPr lang="en-US" smtClean="0"/>
-              <a:t>2/2/2022</a:t>
+              <a:t>2/3/2022</a:t>
             </a:fld>
             <a:endParaRPr lang="en-US"/>
           </a:p>
@@ -2669,7 +2670,7 @@
           <a:p>
             <a:fld id="{D2BF3858-8A1F-468D-BEBC-216B2EC1642C}" type="datetimeFigureOut">
               <a:rPr lang="en-US" smtClean="0"/>
-              <a:t>2/2/2022</a:t>
+              <a:t>2/3/2022</a:t>
             </a:fld>
             <a:endParaRPr lang="en-US"/>
           </a:p>
@@ -2910,7 +2911,7 @@
           <a:p>
             <a:fld id="{D2BF3858-8A1F-468D-BEBC-216B2EC1642C}" type="datetimeFigureOut">
               <a:rPr lang="en-US" smtClean="0"/>
-              <a:t>2/2/2022</a:t>
+              <a:t>2/3/2022</a:t>
             </a:fld>
             <a:endParaRPr lang="en-US"/>
           </a:p>
@@ -3810,6 +3811,229 @@
 </p:sld>
 </file>
 
+<file path=ppt/slides/slide3.xml><?xml version="1.0" encoding="utf-8"?>
+<p:sld xmlns:a="http://schemas.openxmlformats.org/drawingml/2006/main" xmlns:r="http://schemas.openxmlformats.org/officeDocument/2006/relationships" xmlns:p="http://schemas.openxmlformats.org/presentationml/2006/main">
+  <p:cSld>
+    <p:bg>
+      <p:bgPr>
+        <a:solidFill>
+          <a:schemeClr val="bg1"/>
+        </a:solidFill>
+        <a:effectLst/>
+      </p:bgPr>
+    </p:bg>
+    <p:spTree>
+      <p:nvGrpSpPr>
+        <p:cNvPr id="1" name=""/>
+        <p:cNvGrpSpPr/>
+        <p:nvPr/>
+      </p:nvGrpSpPr>
+      <p:grpSpPr>
+        <a:xfrm>
+          <a:off x="0" y="0"/>
+          <a:ext cx="0" cy="0"/>
+          <a:chOff x="0" y="0"/>
+          <a:chExt cx="0" cy="0"/>
+        </a:xfrm>
+      </p:grpSpPr>
+      <p:sp>
+        <p:nvSpPr>
+          <p:cNvPr id="11" name="Down Arrow 7">
+            <a:extLst>
+              <a:ext uri="{FF2B5EF4-FFF2-40B4-BE49-F238E27FC236}">
+                <a16:creationId xmlns:a16="http://schemas.microsoft.com/office/drawing/2014/main" id="{D4771268-CB57-404A-9271-370EB28F6090}"/>
+              </a:ext>
+              <a:ext uri="{C183D7F6-B498-43B3-948B-1728B52AA6E4}">
+                <adec:decorative xmlns:adec="http://schemas.microsoft.com/office/drawing/2017/decorative" val="1"/>
+              </a:ext>
+            </a:extLst>
+          </p:cNvPr>
+          <p:cNvSpPr>
+            <a:spLocks noGrp="1" noRot="1" noChangeAspect="1" noMove="1" noResize="1" noEditPoints="1" noAdjustHandles="1" noChangeArrowheads="1" noChangeShapeType="1" noTextEdit="1"/>
+          </p:cNvSpPr>
+          <p:nvPr>
+            <p:extLst>
+              <p:ext uri="{386F3935-93C4-4BCD-93E2-E3B085C9AB24}">
+                <p16:designElem xmlns:p16="http://schemas.microsoft.com/office/powerpoint/2015/main" val="1"/>
+              </p:ext>
+            </p:extLst>
+          </p:nvPr>
+        </p:nvSpPr>
+        <p:spPr>
+          <a:xfrm rot="16200000">
+            <a:off x="800100" y="1491343"/>
+            <a:ext cx="3333749" cy="3499103"/>
+          </a:xfrm>
+          <a:prstGeom prst="downArrow">
+            <a:avLst>
+              <a:gd name="adj1" fmla="val 100000"/>
+              <a:gd name="adj2" fmla="val 15788"/>
+            </a:avLst>
+          </a:prstGeom>
+          <a:solidFill>
+            <a:srgbClr val="404040"/>
+          </a:solidFill>
+          <a:ln w="53975">
+            <a:noFill/>
+          </a:ln>
+        </p:spPr>
+        <p:style>
+          <a:lnRef idx="2">
+            <a:schemeClr val="accent1">
+              <a:shade val="50000"/>
+            </a:schemeClr>
+          </a:lnRef>
+          <a:fillRef idx="1">
+            <a:schemeClr val="accent1"/>
+          </a:fillRef>
+          <a:effectRef idx="0">
+            <a:schemeClr val="accent1"/>
+          </a:effectRef>
+          <a:fontRef idx="minor">
+            <a:schemeClr val="lt1"/>
+          </a:fontRef>
+        </p:style>
+        <p:txBody>
+          <a:bodyPr rtlCol="0" anchor="ctr"/>
+          <a:lstStyle/>
+          <a:p>
+            <a:pPr algn="ctr"/>
+            <a:endParaRPr lang="en-US"/>
+          </a:p>
+        </p:txBody>
+      </p:sp>
+      <p:sp>
+        <p:nvSpPr>
+          <p:cNvPr id="2" name="TextBox 1">
+            <a:extLst>
+              <a:ext uri="{FF2B5EF4-FFF2-40B4-BE49-F238E27FC236}">
+                <a16:creationId xmlns:a16="http://schemas.microsoft.com/office/drawing/2014/main" id="{431C49FA-8910-4C68-880C-46216FA1E520}"/>
+              </a:ext>
+            </a:extLst>
+          </p:cNvPr>
+          <p:cNvSpPr txBox="1"/>
+          <p:nvPr/>
+        </p:nvSpPr>
+        <p:spPr>
+          <a:xfrm>
+            <a:off x="1028700" y="1967266"/>
+            <a:ext cx="2628900" cy="2547257"/>
+          </a:xfrm>
+          <a:prstGeom prst="rect">
+            <a:avLst/>
+          </a:prstGeom>
+          <a:noFill/>
+        </p:spPr>
+        <p:txBody>
+          <a:bodyPr vert="horz" lIns="91440" tIns="45720" rIns="91440" bIns="45720" rtlCol="0" anchor="ctr">
+            <a:normAutofit/>
+          </a:bodyPr>
+          <a:lstStyle/>
+          <a:p>
+            <a:pPr algn="ctr">
+              <a:lnSpc>
+                <a:spcPct val="90000"/>
+              </a:lnSpc>
+              <a:spcBef>
+                <a:spcPct val="0"/>
+              </a:spcBef>
+              <a:spcAft>
+                <a:spcPts val="600"/>
+              </a:spcAft>
+            </a:pPr>
+            <a:r>
+              <a:rPr lang="en-US" sz="2800" kern="1200">
+                <a:solidFill>
+                  <a:srgbClr val="FFFFFF"/>
+                </a:solidFill>
+                <a:latin typeface="+mj-lt"/>
+                <a:ea typeface="+mj-ea"/>
+                <a:cs typeface="+mj-cs"/>
+              </a:rPr>
+              <a:t>Source: https://miro.medium.com/max/1400/1*-nM9NNb8FW9uUT64rzhkOA.png</a:t>
+            </a:r>
+          </a:p>
+        </p:txBody>
+      </p:sp>
+      <p:pic>
+        <p:nvPicPr>
+          <p:cNvPr id="6" name="Picture 5" descr="Graphical user interface&#10;&#10;Description automatically generated">
+            <a:extLst>
+              <a:ext uri="{FF2B5EF4-FFF2-40B4-BE49-F238E27FC236}">
+                <a16:creationId xmlns:a16="http://schemas.microsoft.com/office/drawing/2014/main" id="{6378CA1F-90FD-4BC6-9B59-1B500FEDEE73}"/>
+              </a:ext>
+            </a:extLst>
+          </p:cNvPr>
+          <p:cNvPicPr>
+            <a:picLocks noChangeAspect="1"/>
+          </p:cNvPicPr>
+          <p:nvPr/>
+        </p:nvPicPr>
+        <p:blipFill>
+          <a:blip r:embed="rId2">
+            <a:extLst>
+              <a:ext uri="{28A0092B-C50C-407E-A947-70E740481C1C}">
+                <a14:useLocalDpi xmlns:a14="http://schemas.microsoft.com/office/drawing/2010/main" val="0"/>
+              </a:ext>
+            </a:extLst>
+          </a:blip>
+          <a:stretch>
+            <a:fillRect/>
+          </a:stretch>
+        </p:blipFill>
+        <p:spPr>
+          <a:xfrm>
+            <a:off x="4527804" y="643466"/>
+            <a:ext cx="2227497" cy="5568739"/>
+          </a:xfrm>
+          <a:prstGeom prst="rect">
+            <a:avLst/>
+          </a:prstGeom>
+        </p:spPr>
+      </p:pic>
+      <p:pic>
+        <p:nvPicPr>
+          <p:cNvPr id="13" name="Picture 12">
+            <a:extLst>
+              <a:ext uri="{FF2B5EF4-FFF2-40B4-BE49-F238E27FC236}">
+                <a16:creationId xmlns:a16="http://schemas.microsoft.com/office/drawing/2014/main" id="{BD3E9856-8BCA-4578-ACE7-139703B48F14}"/>
+              </a:ext>
+            </a:extLst>
+          </p:cNvPr>
+          <p:cNvPicPr>
+            <a:picLocks noChangeAspect="1"/>
+          </p:cNvPicPr>
+          <p:nvPr/>
+        </p:nvPicPr>
+        <p:blipFill>
+          <a:blip r:embed="rId3"/>
+          <a:stretch>
+            <a:fillRect/>
+          </a:stretch>
+        </p:blipFill>
+        <p:spPr>
+          <a:xfrm>
+            <a:off x="7066579" y="643466"/>
+            <a:ext cx="3292135" cy="5757334"/>
+          </a:xfrm>
+          <a:prstGeom prst="rect">
+            <a:avLst/>
+          </a:prstGeom>
+        </p:spPr>
+      </p:pic>
+    </p:spTree>
+    <p:extLst>
+      <p:ext uri="{BB962C8B-B14F-4D97-AF65-F5344CB8AC3E}">
+        <p14:creationId xmlns:p14="http://schemas.microsoft.com/office/powerpoint/2010/main" val="466025817"/>
+      </p:ext>
+    </p:extLst>
+  </p:cSld>
+  <p:clrMapOvr>
+    <a:masterClrMapping/>
+  </p:clrMapOvr>
+</p:sld>
+</file>
+
 <file path=ppt/theme/theme1.xml><?xml version="1.0" encoding="utf-8"?>
 <a:theme xmlns:a="http://schemas.openxmlformats.org/drawingml/2006/main" name="Office Theme">
   <a:themeElements>
